--- a/PPT UP Raka.pptx
+++ b/PPT UP Raka.pptx
@@ -230,7 +230,7 @@
           <a:effectLst/>
           <a:extLst>
             <a:ext uri="{91240B29-F687-4f45-9708-019B960494DF}">
-              <a14:hiddenLine xmlns:a14="http://schemas.microsoft.com/office/drawing/2010/main" xmlns="" w="9525">
+              <a14:hiddenLine xmlns="" xmlns:a14="http://schemas.microsoft.com/office/drawing/2010/main" w="9525">
                 <a:solidFill>
                   <a:srgbClr val="000000"/>
                 </a:solidFill>
@@ -422,7 +422,7 @@
           <a:p>
             <a:fld id="{A9B14C36-2C27-4010-B1EB-D1A66D17970D}" type="datetimeFigureOut">
               <a:rPr lang="id-ID" smtClean="0"/>
-              <a:t>31/08/2020</a:t>
+              <a:t>02/09/2020</a:t>
             </a:fld>
             <a:endParaRPr lang="id-ID"/>
           </a:p>
@@ -743,7 +743,7 @@
           <a:p>
             <a:fld id="{A9B14C36-2C27-4010-B1EB-D1A66D17970D}" type="datetimeFigureOut">
               <a:rPr lang="id-ID" smtClean="0"/>
-              <a:t>31/08/2020</a:t>
+              <a:t>02/09/2020</a:t>
             </a:fld>
             <a:endParaRPr lang="id-ID"/>
           </a:p>
@@ -1234,7 +1234,7 @@
           <a:p>
             <a:fld id="{A9B14C36-2C27-4010-B1EB-D1A66D17970D}" type="datetimeFigureOut">
               <a:rPr lang="id-ID" smtClean="0"/>
-              <a:t>31/08/2020</a:t>
+              <a:t>02/09/2020</a:t>
             </a:fld>
             <a:endParaRPr lang="id-ID"/>
           </a:p>
@@ -1606,7 +1606,7 @@
           <a:p>
             <a:fld id="{A9B14C36-2C27-4010-B1EB-D1A66D17970D}" type="datetimeFigureOut">
               <a:rPr lang="id-ID" smtClean="0"/>
-              <a:t>31/08/2020</a:t>
+              <a:t>02/09/2020</a:t>
             </a:fld>
             <a:endParaRPr lang="id-ID"/>
           </a:p>
@@ -1764,7 +1764,7 @@
           <a:ln/>
           <a:extLst>
             <a:ext uri="{91240B29-F687-4f45-9708-019B960494DF}">
-              <a14:hiddenLine xmlns:a14="http://schemas.microsoft.com/office/drawing/2010/main" xmlns="" w="9525">
+              <a14:hiddenLine xmlns="" xmlns:a14="http://schemas.microsoft.com/office/drawing/2010/main" w="9525">
                 <a:solidFill>
                   <a:srgbClr val="000000"/>
                 </a:solidFill>
@@ -1882,7 +1882,7 @@
           <a:p>
             <a:fld id="{A9B14C36-2C27-4010-B1EB-D1A66D17970D}" type="datetimeFigureOut">
               <a:rPr lang="id-ID" smtClean="0"/>
-              <a:t>31/08/2020</a:t>
+              <a:t>02/09/2020</a:t>
             </a:fld>
             <a:endParaRPr lang="id-ID"/>
           </a:p>
@@ -2042,7 +2042,7 @@
           <a:ln/>
           <a:extLst>
             <a:ext uri="{91240B29-F687-4f45-9708-019B960494DF}">
-              <a14:hiddenLine xmlns:a14="http://schemas.microsoft.com/office/drawing/2010/main" xmlns="" w="9525">
+              <a14:hiddenLine xmlns="" xmlns:a14="http://schemas.microsoft.com/office/drawing/2010/main" w="9525">
                 <a:solidFill>
                   <a:srgbClr val="000000"/>
                 </a:solidFill>
@@ -2170,7 +2170,7 @@
           <a:p>
             <a:fld id="{A9B14C36-2C27-4010-B1EB-D1A66D17970D}" type="datetimeFigureOut">
               <a:rPr lang="id-ID" smtClean="0"/>
-              <a:t>31/08/2020</a:t>
+              <a:t>02/09/2020</a:t>
             </a:fld>
             <a:endParaRPr lang="id-ID"/>
           </a:p>
@@ -2328,7 +2328,7 @@
           <a:ln/>
           <a:extLst>
             <a:ext uri="{91240B29-F687-4f45-9708-019B960494DF}">
-              <a14:hiddenLine xmlns:a14="http://schemas.microsoft.com/office/drawing/2010/main" xmlns="" w="9525">
+              <a14:hiddenLine xmlns="" xmlns:a14="http://schemas.microsoft.com/office/drawing/2010/main" w="9525">
                 <a:solidFill>
                   <a:srgbClr val="000000"/>
                 </a:solidFill>
@@ -2456,7 +2456,7 @@
           <a:p>
             <a:fld id="{A9B14C36-2C27-4010-B1EB-D1A66D17970D}" type="datetimeFigureOut">
               <a:rPr lang="id-ID" smtClean="0"/>
-              <a:t>31/08/2020</a:t>
+              <a:t>02/09/2020</a:t>
             </a:fld>
             <a:endParaRPr lang="id-ID"/>
           </a:p>
@@ -2802,7 +2802,7 @@
           <a:p>
             <a:fld id="{A9B14C36-2C27-4010-B1EB-D1A66D17970D}" type="datetimeFigureOut">
               <a:rPr lang="id-ID" smtClean="0"/>
-              <a:t>31/08/2020</a:t>
+              <a:t>02/09/2020</a:t>
             </a:fld>
             <a:endParaRPr lang="id-ID"/>
           </a:p>
@@ -2960,7 +2960,7 @@
           <a:ln/>
           <a:extLst>
             <a:ext uri="{91240B29-F687-4f45-9708-019B960494DF}">
-              <a14:hiddenLine xmlns:a14="http://schemas.microsoft.com/office/drawing/2010/main" xmlns="" w="9525">
+              <a14:hiddenLine xmlns="" xmlns:a14="http://schemas.microsoft.com/office/drawing/2010/main" w="9525">
                 <a:solidFill>
                   <a:srgbClr val="000000"/>
                 </a:solidFill>
@@ -3144,7 +3144,7 @@
           <a:p>
             <a:fld id="{A9B14C36-2C27-4010-B1EB-D1A66D17970D}" type="datetimeFigureOut">
               <a:rPr lang="id-ID" smtClean="0"/>
-              <a:t>31/08/2020</a:t>
+              <a:t>02/09/2020</a:t>
             </a:fld>
             <a:endParaRPr lang="id-ID"/>
           </a:p>
@@ -3302,7 +3302,7 @@
           <a:ln/>
           <a:extLst>
             <a:ext uri="{91240B29-F687-4f45-9708-019B960494DF}">
-              <a14:hiddenLine xmlns:a14="http://schemas.microsoft.com/office/drawing/2010/main" xmlns="" w="9525">
+              <a14:hiddenLine xmlns="" xmlns:a14="http://schemas.microsoft.com/office/drawing/2010/main" w="9525">
                 <a:solidFill>
                   <a:srgbClr val="000000"/>
                 </a:solidFill>
@@ -3624,7 +3624,7 @@
           <a:p>
             <a:fld id="{A9B14C36-2C27-4010-B1EB-D1A66D17970D}" type="datetimeFigureOut">
               <a:rPr lang="id-ID" smtClean="0"/>
-              <a:t>31/08/2020</a:t>
+              <a:t>02/09/2020</a:t>
             </a:fld>
             <a:endParaRPr lang="id-ID"/>
           </a:p>
@@ -3782,7 +3782,7 @@
           <a:ln/>
           <a:extLst>
             <a:ext uri="{91240B29-F687-4f45-9708-019B960494DF}">
-              <a14:hiddenLine xmlns:a14="http://schemas.microsoft.com/office/drawing/2010/main" xmlns="" w="9525">
+              <a14:hiddenLine xmlns="" xmlns:a14="http://schemas.microsoft.com/office/drawing/2010/main" w="9525">
                 <a:solidFill>
                   <a:srgbClr val="000000"/>
                 </a:solidFill>
@@ -3848,7 +3848,7 @@
           <a:p>
             <a:fld id="{A9B14C36-2C27-4010-B1EB-D1A66D17970D}" type="datetimeFigureOut">
               <a:rPr lang="id-ID" smtClean="0"/>
-              <a:t>31/08/2020</a:t>
+              <a:t>02/09/2020</a:t>
             </a:fld>
             <a:endParaRPr lang="id-ID"/>
           </a:p>
@@ -3946,7 +3946,7 @@
           <a:p>
             <a:fld id="{A9B14C36-2C27-4010-B1EB-D1A66D17970D}" type="datetimeFigureOut">
               <a:rPr lang="id-ID" smtClean="0"/>
-              <a:t>31/08/2020</a:t>
+              <a:t>02/09/2020</a:t>
             </a:fld>
             <a:endParaRPr lang="id-ID"/>
           </a:p>
@@ -4217,7 +4217,7 @@
           <a:ln/>
           <a:extLst>
             <a:ext uri="{91240B29-F687-4f45-9708-019B960494DF}">
-              <a14:hiddenLine xmlns:a14="http://schemas.microsoft.com/office/drawing/2010/main" xmlns="" w="9525">
+              <a14:hiddenLine xmlns="" xmlns:a14="http://schemas.microsoft.com/office/drawing/2010/main" w="9525">
                 <a:solidFill>
                   <a:srgbClr val="000000"/>
                 </a:solidFill>
@@ -4416,7 +4416,7 @@
           <a:p>
             <a:fld id="{A9B14C36-2C27-4010-B1EB-D1A66D17970D}" type="datetimeFigureOut">
               <a:rPr lang="id-ID" smtClean="0"/>
-              <a:t>31/08/2020</a:t>
+              <a:t>02/09/2020</a:t>
             </a:fld>
             <a:endParaRPr lang="id-ID"/>
           </a:p>
@@ -4732,7 +4732,7 @@
           <a:p>
             <a:fld id="{A9B14C36-2C27-4010-B1EB-D1A66D17970D}" type="datetimeFigureOut">
               <a:rPr lang="id-ID" smtClean="0"/>
-              <a:t>31/08/2020</a:t>
+              <a:t>02/09/2020</a:t>
             </a:fld>
             <a:endParaRPr lang="id-ID"/>
           </a:p>
@@ -5005,7 +5005,7 @@
           <a:p>
             <a:fld id="{A9B14C36-2C27-4010-B1EB-D1A66D17970D}" type="datetimeFigureOut">
               <a:rPr lang="id-ID" smtClean="0"/>
-              <a:t>31/08/2020</a:t>
+              <a:t>02/09/2020</a:t>
             </a:fld>
             <a:endParaRPr lang="id-ID"/>
           </a:p>
